--- a/Masterarbeit-Word/演示文稿1.pptx
+++ b/Masterarbeit-Word/演示文稿1.pptx
@@ -6,11 +6,12 @@
   </p:sldMasterIdLst>
   <p:sldIdLst>
     <p:sldId id="256" r:id="rId2"/>
+    <p:sldId id="257" r:id="rId3"/>
   </p:sldIdLst>
   <p:sldSz cx="12192000" cy="6858000"/>
   <p:notesSz cx="6858000" cy="9144000"/>
   <p:custDataLst>
-    <p:tags r:id="rId3"/>
+    <p:tags r:id="rId4"/>
   </p:custDataLst>
   <p:defaultTextStyle>
     <a:defPPr>
@@ -107,6 +108,11 @@
       </a:defRPr>
     </a:lvl9pPr>
   </p:defaultTextStyle>
+  <p:extLst>
+    <p:ext uri="{EFAFB233-063F-42B5-8137-9DF3F51BA10A}">
+      <p15:sldGuideLst xmlns:p15="http://schemas.microsoft.com/office/powerpoint/2012/main"/>
+    </p:ext>
+  </p:extLst>
 </p:presentation>
 </file>
 
@@ -257,7 +263,7 @@
           <a:p>
             <a:fld id="{B48C392B-B9B7-420E-9D14-8AA1CE4DEEFA}" type="datetimeFigureOut">
               <a:rPr lang="zh-CN" altLang="en-US" smtClean="0"/>
-              <a:t>2022/12/12</a:t>
+              <a:t>2022/12/13</a:t>
             </a:fld>
             <a:endParaRPr lang="zh-CN" altLang="en-US"/>
           </a:p>
@@ -311,7 +317,7 @@
           <a:p>
             <a:fld id="{895656DA-80F7-4991-B58F-03594D9D514E}" type="slidenum">
               <a:rPr lang="zh-CN" altLang="en-US" smtClean="0"/>
-              <a:t>‹#›</a:t>
+              <a:t>‹Nr.›</a:t>
             </a:fld>
             <a:endParaRPr lang="zh-CN" altLang="en-US"/>
           </a:p>
@@ -455,7 +461,7 @@
           <a:p>
             <a:fld id="{B48C392B-B9B7-420E-9D14-8AA1CE4DEEFA}" type="datetimeFigureOut">
               <a:rPr lang="zh-CN" altLang="en-US" smtClean="0"/>
-              <a:t>2022/12/12</a:t>
+              <a:t>2022/12/13</a:t>
             </a:fld>
             <a:endParaRPr lang="zh-CN" altLang="en-US"/>
           </a:p>
@@ -509,7 +515,7 @@
           <a:p>
             <a:fld id="{895656DA-80F7-4991-B58F-03594D9D514E}" type="slidenum">
               <a:rPr lang="zh-CN" altLang="en-US" smtClean="0"/>
-              <a:t>‹#›</a:t>
+              <a:t>‹Nr.›</a:t>
             </a:fld>
             <a:endParaRPr lang="zh-CN" altLang="en-US"/>
           </a:p>
@@ -663,7 +669,7 @@
           <a:p>
             <a:fld id="{B48C392B-B9B7-420E-9D14-8AA1CE4DEEFA}" type="datetimeFigureOut">
               <a:rPr lang="zh-CN" altLang="en-US" smtClean="0"/>
-              <a:t>2022/12/12</a:t>
+              <a:t>2022/12/13</a:t>
             </a:fld>
             <a:endParaRPr lang="zh-CN" altLang="en-US"/>
           </a:p>
@@ -717,7 +723,7 @@
           <a:p>
             <a:fld id="{895656DA-80F7-4991-B58F-03594D9D514E}" type="slidenum">
               <a:rPr lang="zh-CN" altLang="en-US" smtClean="0"/>
-              <a:t>‹#›</a:t>
+              <a:t>‹Nr.›</a:t>
             </a:fld>
             <a:endParaRPr lang="zh-CN" altLang="en-US"/>
           </a:p>
@@ -861,7 +867,7 @@
           <a:p>
             <a:fld id="{B48C392B-B9B7-420E-9D14-8AA1CE4DEEFA}" type="datetimeFigureOut">
               <a:rPr lang="zh-CN" altLang="en-US" smtClean="0"/>
-              <a:t>2022/12/12</a:t>
+              <a:t>2022/12/13</a:t>
             </a:fld>
             <a:endParaRPr lang="zh-CN" altLang="en-US"/>
           </a:p>
@@ -915,7 +921,7 @@
           <a:p>
             <a:fld id="{895656DA-80F7-4991-B58F-03594D9D514E}" type="slidenum">
               <a:rPr lang="zh-CN" altLang="en-US" smtClean="0"/>
-              <a:t>‹#›</a:t>
+              <a:t>‹Nr.›</a:t>
             </a:fld>
             <a:endParaRPr lang="zh-CN" altLang="en-US"/>
           </a:p>
@@ -1136,7 +1142,7 @@
           <a:p>
             <a:fld id="{B48C392B-B9B7-420E-9D14-8AA1CE4DEEFA}" type="datetimeFigureOut">
               <a:rPr lang="zh-CN" altLang="en-US" smtClean="0"/>
-              <a:t>2022/12/12</a:t>
+              <a:t>2022/12/13</a:t>
             </a:fld>
             <a:endParaRPr lang="zh-CN" altLang="en-US"/>
           </a:p>
@@ -1190,7 +1196,7 @@
           <a:p>
             <a:fld id="{895656DA-80F7-4991-B58F-03594D9D514E}" type="slidenum">
               <a:rPr lang="zh-CN" altLang="en-US" smtClean="0"/>
-              <a:t>‹#›</a:t>
+              <a:t>‹Nr.›</a:t>
             </a:fld>
             <a:endParaRPr lang="zh-CN" altLang="en-US"/>
           </a:p>
@@ -1401,7 +1407,7 @@
           <a:p>
             <a:fld id="{B48C392B-B9B7-420E-9D14-8AA1CE4DEEFA}" type="datetimeFigureOut">
               <a:rPr lang="zh-CN" altLang="en-US" smtClean="0"/>
-              <a:t>2022/12/12</a:t>
+              <a:t>2022/12/13</a:t>
             </a:fld>
             <a:endParaRPr lang="zh-CN" altLang="en-US"/>
           </a:p>
@@ -1455,7 +1461,7 @@
           <a:p>
             <a:fld id="{895656DA-80F7-4991-B58F-03594D9D514E}" type="slidenum">
               <a:rPr lang="zh-CN" altLang="en-US" smtClean="0"/>
-              <a:t>‹#›</a:t>
+              <a:t>‹Nr.›</a:t>
             </a:fld>
             <a:endParaRPr lang="zh-CN" altLang="en-US"/>
           </a:p>
@@ -1813,7 +1819,7 @@
           <a:p>
             <a:fld id="{B48C392B-B9B7-420E-9D14-8AA1CE4DEEFA}" type="datetimeFigureOut">
               <a:rPr lang="zh-CN" altLang="en-US" smtClean="0"/>
-              <a:t>2022/12/12</a:t>
+              <a:t>2022/12/13</a:t>
             </a:fld>
             <a:endParaRPr lang="zh-CN" altLang="en-US"/>
           </a:p>
@@ -1867,7 +1873,7 @@
           <a:p>
             <a:fld id="{895656DA-80F7-4991-B58F-03594D9D514E}" type="slidenum">
               <a:rPr lang="zh-CN" altLang="en-US" smtClean="0"/>
-              <a:t>‹#›</a:t>
+              <a:t>‹Nr.›</a:t>
             </a:fld>
             <a:endParaRPr lang="zh-CN" altLang="en-US"/>
           </a:p>
@@ -1954,7 +1960,7 @@
           <a:p>
             <a:fld id="{B48C392B-B9B7-420E-9D14-8AA1CE4DEEFA}" type="datetimeFigureOut">
               <a:rPr lang="zh-CN" altLang="en-US" smtClean="0"/>
-              <a:t>2022/12/12</a:t>
+              <a:t>2022/12/13</a:t>
             </a:fld>
             <a:endParaRPr lang="zh-CN" altLang="en-US"/>
           </a:p>
@@ -2008,7 +2014,7 @@
           <a:p>
             <a:fld id="{895656DA-80F7-4991-B58F-03594D9D514E}" type="slidenum">
               <a:rPr lang="zh-CN" altLang="en-US" smtClean="0"/>
-              <a:t>‹#›</a:t>
+              <a:t>‹Nr.›</a:t>
             </a:fld>
             <a:endParaRPr lang="zh-CN" altLang="en-US"/>
           </a:p>
@@ -2067,7 +2073,7 @@
           <a:p>
             <a:fld id="{B48C392B-B9B7-420E-9D14-8AA1CE4DEEFA}" type="datetimeFigureOut">
               <a:rPr lang="zh-CN" altLang="en-US" smtClean="0"/>
-              <a:t>2022/12/12</a:t>
+              <a:t>2022/12/13</a:t>
             </a:fld>
             <a:endParaRPr lang="zh-CN" altLang="en-US"/>
           </a:p>
@@ -2121,7 +2127,7 @@
           <a:p>
             <a:fld id="{895656DA-80F7-4991-B58F-03594D9D514E}" type="slidenum">
               <a:rPr lang="zh-CN" altLang="en-US" smtClean="0"/>
-              <a:t>‹#›</a:t>
+              <a:t>‹Nr.›</a:t>
             </a:fld>
             <a:endParaRPr lang="zh-CN" altLang="en-US"/>
           </a:p>
@@ -2378,7 +2384,7 @@
           <a:p>
             <a:fld id="{B48C392B-B9B7-420E-9D14-8AA1CE4DEEFA}" type="datetimeFigureOut">
               <a:rPr lang="zh-CN" altLang="en-US" smtClean="0"/>
-              <a:t>2022/12/12</a:t>
+              <a:t>2022/12/13</a:t>
             </a:fld>
             <a:endParaRPr lang="zh-CN" altLang="en-US"/>
           </a:p>
@@ -2432,7 +2438,7 @@
           <a:p>
             <a:fld id="{895656DA-80F7-4991-B58F-03594D9D514E}" type="slidenum">
               <a:rPr lang="zh-CN" altLang="en-US" smtClean="0"/>
-              <a:t>‹#›</a:t>
+              <a:t>‹Nr.›</a:t>
             </a:fld>
             <a:endParaRPr lang="zh-CN" altLang="en-US"/>
           </a:p>
@@ -2666,7 +2672,7 @@
           <a:p>
             <a:fld id="{B48C392B-B9B7-420E-9D14-8AA1CE4DEEFA}" type="datetimeFigureOut">
               <a:rPr lang="zh-CN" altLang="en-US" smtClean="0"/>
-              <a:t>2022/12/12</a:t>
+              <a:t>2022/12/13</a:t>
             </a:fld>
             <a:endParaRPr lang="zh-CN" altLang="en-US"/>
           </a:p>
@@ -2720,7 +2726,7 @@
           <a:p>
             <a:fld id="{895656DA-80F7-4991-B58F-03594D9D514E}" type="slidenum">
               <a:rPr lang="zh-CN" altLang="en-US" smtClean="0"/>
-              <a:t>‹#›</a:t>
+              <a:t>‹Nr.›</a:t>
             </a:fld>
             <a:endParaRPr lang="zh-CN" altLang="en-US"/>
           </a:p>
@@ -2775,7 +2781,7 @@
           </p:cNvGraphicFramePr>
           <p:nvPr userDrawn="1">
             <p:custDataLst>
-              <p:tags r:id="rId13"/>
+              <p:tags r:id="rId14"/>
             </p:custDataLst>
             <p:extLst>
               <p:ext uri="{D42A27DB-BD31-4B8C-83A1-F6EECF244321}">
@@ -2792,12 +2798,12 @@
           <a:graphicData uri="http://schemas.openxmlformats.org/presentationml/2006/ole">
             <mc:AlternateContent xmlns:mc="http://schemas.openxmlformats.org/markup-compatibility/2006">
               <mc:Choice xmlns:v="urn:schemas-microsoft-com:vml" Requires="v">
-                <p:oleObj name="think-cell 幻灯片" r:id="rId14" imgW="353" imgH="353" progId="TCLayout.ActiveDocument.1">
+                <p:oleObj spid="_x0000_s1028" name="think-cell 幻灯片" r:id="rId15" imgW="353" imgH="353" progId="TCLayout.ActiveDocument.1">
                   <p:embed/>
                 </p:oleObj>
               </mc:Choice>
               <mc:Fallback>
-                <p:oleObj name="think-cell 幻灯片" r:id="rId14" imgW="353" imgH="353" progId="TCLayout.ActiveDocument.1">
+                <p:oleObj name="think-cell 幻灯片" r:id="rId15" imgW="353" imgH="353" progId="TCLayout.ActiveDocument.1">
                   <p:embed/>
                   <p:pic>
                     <p:nvPicPr>
@@ -2806,7 +2812,7 @@
                       <p:nvPr/>
                     </p:nvPicPr>
                     <p:blipFill>
-                      <a:blip r:embed="rId15"/>
+                      <a:blip r:embed="rId16"/>
                       <a:stretch>
                         <a:fillRect/>
                       </a:stretch>
@@ -2973,7 +2979,7 @@
           <a:p>
             <a:fld id="{B48C392B-B9B7-420E-9D14-8AA1CE4DEEFA}" type="datetimeFigureOut">
               <a:rPr lang="zh-CN" altLang="en-US" smtClean="0"/>
-              <a:t>2022/12/12</a:t>
+              <a:t>2022/12/13</a:t>
             </a:fld>
             <a:endParaRPr lang="zh-CN" altLang="en-US"/>
           </a:p>
@@ -3063,7 +3069,7 @@
           <a:p>
             <a:fld id="{895656DA-80F7-4991-B58F-03594D9D514E}" type="slidenum">
               <a:rPr lang="zh-CN" altLang="en-US" smtClean="0"/>
-              <a:t>‹#›</a:t>
+              <a:t>‹Nr.›</a:t>
             </a:fld>
             <a:endParaRPr lang="zh-CN" altLang="en-US"/>
           </a:p>
@@ -3404,7 +3410,7 @@
           </p:cNvGraphicFramePr>
           <p:nvPr>
             <p:custDataLst>
-              <p:tags r:id="rId1"/>
+              <p:tags r:id="rId2"/>
             </p:custDataLst>
             <p:extLst>
               <p:ext uri="{D42A27DB-BD31-4B8C-83A1-F6EECF244321}">
@@ -3421,12 +3427,12 @@
           <a:graphicData uri="http://schemas.openxmlformats.org/presentationml/2006/ole">
             <mc:AlternateContent xmlns:mc="http://schemas.openxmlformats.org/markup-compatibility/2006">
               <mc:Choice xmlns:v="urn:schemas-microsoft-com:vml" Requires="v">
-                <p:oleObj name="think-cell 幻灯片" r:id="rId3" imgW="353" imgH="353" progId="TCLayout.ActiveDocument.1">
+                <p:oleObj spid="_x0000_s2052" name="think-cell 幻灯片" r:id="rId4" imgW="353" imgH="353" progId="TCLayout.ActiveDocument.1">
                   <p:embed/>
                 </p:oleObj>
               </mc:Choice>
               <mc:Fallback>
-                <p:oleObj name="think-cell 幻灯片" r:id="rId3" imgW="353" imgH="353" progId="TCLayout.ActiveDocument.1">
+                <p:oleObj name="think-cell 幻灯片" r:id="rId4" imgW="353" imgH="353" progId="TCLayout.ActiveDocument.1">
                   <p:embed/>
                   <p:pic>
                     <p:nvPicPr>
@@ -3435,7 +3441,7 @@
                       <p:nvPr/>
                     </p:nvPicPr>
                     <p:blipFill>
-                      <a:blip r:embed="rId4"/>
+                      <a:blip r:embed="rId5"/>
                       <a:stretch>
                         <a:fillRect/>
                       </a:stretch>
@@ -3520,8 +3526,8 @@
         </p:nvSpPr>
         <p:spPr>
           <a:xfrm>
-            <a:off x="2757097" y="2384213"/>
-            <a:ext cx="866986" cy="894080"/>
+            <a:off x="2757096" y="2384212"/>
+            <a:ext cx="1765419" cy="1650459"/>
           </a:xfrm>
           <a:prstGeom prst="rect">
             <a:avLst/>
@@ -3550,7 +3556,26 @@
             <a:pPr algn="ctr"/>
             <a:r>
               <a:rPr lang="en-US" altLang="zh-CN" dirty="0" err="1"/>
-              <a:t>zollmodule</a:t>
+              <a:t>zonenmodul</a:t>
+            </a:r>
+            <a:endParaRPr lang="en-US" altLang="zh-CN" dirty="0"/>
+          </a:p>
+          <a:p>
+            <a:pPr algn="ctr"/>
+            <a:r>
+              <a:rPr lang="en-US" altLang="zh-CN" dirty="0"/>
+              <a:t>S32 von NXP</a:t>
+            </a:r>
+          </a:p>
+          <a:p>
+            <a:pPr algn="ctr"/>
+            <a:r>
+              <a:rPr lang="en-US" altLang="zh-CN" dirty="0"/>
+              <a:t>TI </a:t>
+            </a:r>
+            <a:r>
+              <a:rPr lang="en-US" altLang="zh-CN" dirty="0" err="1"/>
+              <a:t>hercules</a:t>
             </a:r>
             <a:endParaRPr lang="zh-CN" altLang="en-US" dirty="0"/>
           </a:p>
@@ -3602,6 +3627,20 @@
               <a:rPr lang="en-US" altLang="zh-CN" dirty="0"/>
               <a:t>IP</a:t>
             </a:r>
+          </a:p>
+          <a:p>
+            <a:pPr algn="ctr"/>
+            <a:r>
+              <a:rPr lang="en-US" altLang="zh-CN" dirty="0"/>
+              <a:t>Stelar</a:t>
+            </a:r>
+            <a:br>
+              <a:rPr lang="en-US" altLang="zh-CN" dirty="0"/>
+            </a:br>
+            <a:r>
+              <a:rPr lang="en-US" altLang="zh-CN" dirty="0"/>
+              <a:t>st32f4</a:t>
+            </a:r>
             <a:endParaRPr lang="zh-CN" altLang="en-US" dirty="0"/>
           </a:p>
         </p:txBody>
@@ -3650,12 +3689,8 @@
             <a:pPr algn="ctr"/>
             <a:r>
               <a:rPr lang="en-US" altLang="zh-CN" dirty="0" err="1"/>
-              <a:t>zollmodule</a:t>
-            </a:r>
-            <a:endParaRPr lang="zh-CN" altLang="en-US" dirty="0"/>
-          </a:p>
-          <a:p>
-            <a:pPr algn="ctr"/>
+              <a:t>zonenmodul</a:t>
+            </a:r>
             <a:endParaRPr lang="zh-CN" altLang="en-US" dirty="0"/>
           </a:p>
         </p:txBody>
@@ -3724,6 +3759,7 @@
             </a:extLst>
           </p:cNvPr>
           <p:cNvCxnSpPr>
+            <a:cxnSpLocks/>
             <a:stCxn id="5" idx="3"/>
             <a:endCxn id="6" idx="1"/>
           </p:cNvCxnSpPr>
@@ -3732,7 +3768,7 @@
         <p:spPr>
           <a:xfrm>
             <a:off x="1693333" y="2831253"/>
-            <a:ext cx="1063764" cy="0"/>
+            <a:ext cx="1063763" cy="378189"/>
           </a:xfrm>
           <a:prstGeom prst="straightConnector1">
             <a:avLst/>
@@ -3767,15 +3803,16 @@
             </a:extLst>
           </p:cNvPr>
           <p:cNvCxnSpPr>
+            <a:cxnSpLocks/>
             <a:stCxn id="6" idx="3"/>
             <a:endCxn id="7" idx="1"/>
           </p:cNvCxnSpPr>
           <p:nvPr/>
         </p:nvCxnSpPr>
         <p:spPr>
-          <a:xfrm>
-            <a:off x="3624083" y="2831253"/>
-            <a:ext cx="1251900" cy="0"/>
+          <a:xfrm flipV="1">
+            <a:off x="4522515" y="2831253"/>
+            <a:ext cx="353468" cy="378189"/>
           </a:xfrm>
           <a:prstGeom prst="straightConnector1">
             <a:avLst/>
@@ -4023,7 +4060,7 @@
             <a:pPr algn="ctr"/>
             <a:r>
               <a:rPr lang="en-US" altLang="zh-CN" dirty="0" err="1"/>
-              <a:t>zollmodule</a:t>
+              <a:t>zonenmodul</a:t>
             </a:r>
             <a:endParaRPr lang="zh-CN" altLang="en-US" dirty="0"/>
           </a:p>
@@ -4123,12 +4160,8 @@
             <a:pPr algn="ctr"/>
             <a:r>
               <a:rPr lang="en-US" altLang="zh-CN" dirty="0" err="1"/>
-              <a:t>zollmodule</a:t>
-            </a:r>
-            <a:endParaRPr lang="zh-CN" altLang="en-US" dirty="0"/>
-          </a:p>
-          <a:p>
-            <a:pPr algn="ctr"/>
+              <a:t>zonenmodul</a:t>
+            </a:r>
             <a:endParaRPr lang="zh-CN" altLang="en-US" dirty="0"/>
           </a:p>
         </p:txBody>
@@ -4951,7 +4984,7 @@
         <p:spPr>
           <a:xfrm>
             <a:off x="4970575" y="325086"/>
-            <a:ext cx="1963999" cy="1754326"/>
+            <a:ext cx="2121093" cy="2585323"/>
           </a:xfrm>
           <a:prstGeom prst="rect">
             <a:avLst/>
@@ -4966,32 +4999,64 @@
           <a:p>
             <a:r>
               <a:rPr lang="en-US" altLang="zh-CN" dirty="0"/>
-              <a:t>Input:</a:t>
-            </a:r>
-          </a:p>
-          <a:p>
+              <a:t>Input ():</a:t>
+            </a:r>
+          </a:p>
+          <a:p>
+            <a:pPr marL="285750" indent="-285750">
+              <a:buFont typeface="Arial" panose="020B0604020202020204" pitchFamily="34" charset="0"/>
+              <a:buChar char="•"/>
+            </a:pPr>
             <a:r>
               <a:rPr lang="en-US" altLang="zh-CN" dirty="0"/>
-              <a:t>1.scheduling</a:t>
-            </a:r>
-          </a:p>
-          <a:p>
+              <a:t>scheduling</a:t>
+            </a:r>
+          </a:p>
+          <a:p>
+            <a:pPr marL="285750" indent="-285750">
+              <a:buFont typeface="Arial" panose="020B0604020202020204" pitchFamily="34" charset="0"/>
+              <a:buChar char="•"/>
+            </a:pPr>
             <a:r>
               <a:rPr lang="en-US" altLang="zh-CN" dirty="0"/>
-              <a:t>2.Shared resource</a:t>
-            </a:r>
-          </a:p>
-          <a:p>
+              <a:t>Shared resource</a:t>
+            </a:r>
+          </a:p>
+          <a:p>
+            <a:pPr marL="285750" indent="-285750">
+              <a:buFont typeface="Arial" panose="020B0604020202020204" pitchFamily="34" charset="0"/>
+              <a:buChar char="•"/>
+            </a:pPr>
             <a:r>
               <a:rPr lang="en-US" altLang="zh-CN" dirty="0"/>
-              <a:t>3.Speicher</a:t>
-            </a:r>
-          </a:p>
-          <a:p>
+              <a:t>Speicher</a:t>
+            </a:r>
+          </a:p>
+          <a:p>
+            <a:pPr marL="285750" indent="-285750">
+              <a:buFont typeface="Arial" panose="020B0604020202020204" pitchFamily="34" charset="0"/>
+              <a:buChar char="•"/>
+            </a:pPr>
             <a:r>
               <a:rPr lang="en-US" altLang="zh-CN" dirty="0"/>
-              <a:t>4.</a:t>
-            </a:r>
+              <a:t>?</a:t>
+            </a:r>
+          </a:p>
+          <a:p>
+            <a:r>
+              <a:rPr lang="en-US" altLang="zh-CN" dirty="0"/>
+              <a:t>S32 von NXP</a:t>
+            </a:r>
+          </a:p>
+          <a:p>
+            <a:pPr marL="285750" indent="-285750">
+              <a:buFont typeface="Arial" panose="020B0604020202020204" pitchFamily="34" charset="0"/>
+              <a:buChar char="•"/>
+            </a:pPr>
+            <a:endParaRPr lang="en-US" altLang="zh-CN" dirty="0"/>
+          </a:p>
+          <a:p>
+            <a:endParaRPr lang="en-US" altLang="zh-CN" dirty="0"/>
           </a:p>
           <a:p>
             <a:endParaRPr lang="zh-CN" altLang="en-US" dirty="0"/>
@@ -5013,7 +5078,7 @@
         <p:spPr>
           <a:xfrm>
             <a:off x="8219432" y="663402"/>
-            <a:ext cx="2220480" cy="646331"/>
+            <a:ext cx="4406976" cy="1200329"/>
           </a:xfrm>
           <a:prstGeom prst="rect">
             <a:avLst/>
@@ -5032,13 +5097,13 @@
             </a:r>
           </a:p>
           <a:p>
-            <a:r>
-              <a:rPr lang="en-US" altLang="zh-CN" dirty="0"/>
-              <a:t>Parameter </a:t>
-            </a:r>
+            <a:pPr marL="285750" indent="-285750">
+              <a:buFont typeface="Arial" panose="020B0604020202020204" pitchFamily="34" charset="0"/>
+              <a:buChar char="•"/>
+            </a:pPr>
             <a:r>
               <a:rPr lang="en-US" altLang="zh-CN" dirty="0" err="1"/>
-              <a:t>im</a:t>
+              <a:t>Bearbeitzeit</a:t>
             </a:r>
             <a:r>
               <a:rPr lang="en-US" altLang="zh-CN" dirty="0"/>
@@ -5046,9 +5111,50 @@
             </a:r>
             <a:r>
               <a:rPr lang="en-US" altLang="zh-CN" dirty="0" err="1"/>
-              <a:t>omnet</a:t>
-            </a:r>
-            <a:endParaRPr lang="zh-CN" altLang="en-US" dirty="0"/>
+              <a:t>jeweiliger</a:t>
+            </a:r>
+            <a:r>
+              <a:rPr lang="en-US" altLang="zh-CN" dirty="0"/>
+              <a:t> </a:t>
+            </a:r>
+            <a:r>
+              <a:rPr lang="en-US" altLang="zh-CN" dirty="0" err="1"/>
+              <a:t>Funktion</a:t>
+            </a:r>
+            <a:endParaRPr lang="en-US" altLang="zh-CN" dirty="0"/>
+          </a:p>
+          <a:p>
+            <a:pPr marL="285750" indent="-285750">
+              <a:buFont typeface="Arial" panose="020B0604020202020204" pitchFamily="34" charset="0"/>
+              <a:buChar char="•"/>
+            </a:pPr>
+            <a:r>
+              <a:rPr lang="en-US" altLang="zh-CN" dirty="0"/>
+              <a:t>Power Consumption </a:t>
+            </a:r>
+            <a:r>
+              <a:rPr lang="en-US" altLang="zh-CN" dirty="0" err="1"/>
+              <a:t>jeweiliger</a:t>
+            </a:r>
+            <a:r>
+              <a:rPr lang="en-US" altLang="zh-CN" dirty="0"/>
+              <a:t> </a:t>
+            </a:r>
+            <a:r>
+              <a:rPr lang="en-US" altLang="zh-CN" dirty="0" err="1"/>
+              <a:t>Funktion</a:t>
+            </a:r>
+            <a:endParaRPr lang="en-US" altLang="zh-CN" dirty="0"/>
+          </a:p>
+          <a:p>
+            <a:pPr marL="285750" indent="-285750">
+              <a:buFont typeface="Arial" panose="020B0604020202020204" pitchFamily="34" charset="0"/>
+              <a:buChar char="•"/>
+            </a:pPr>
+            <a:r>
+              <a:rPr lang="en-US" altLang="zh-CN" dirty="0"/>
+              <a:t>?</a:t>
+            </a:r>
           </a:p>
         </p:txBody>
       </p:sp>
@@ -5056,6 +5162,364 @@
     <p:extLst>
       <p:ext uri="{BB962C8B-B14F-4D97-AF65-F5344CB8AC3E}">
         <p14:creationId xmlns:p14="http://schemas.microsoft.com/office/powerpoint/2010/main" val="302049878"/>
+      </p:ext>
+    </p:extLst>
+  </p:cSld>
+  <p:clrMapOvr>
+    <a:masterClrMapping/>
+  </p:clrMapOvr>
+</p:sld>
+</file>
+
+<file path=ppt/slides/slide2.xml><?xml version="1.0" encoding="utf-8"?>
+<p:sld xmlns:a="http://schemas.openxmlformats.org/drawingml/2006/main" xmlns:r="http://schemas.openxmlformats.org/officeDocument/2006/relationships" xmlns:p="http://schemas.openxmlformats.org/presentationml/2006/main">
+  <p:cSld>
+    <p:spTree>
+      <p:nvGrpSpPr>
+        <p:cNvPr id="1" name=""/>
+        <p:cNvGrpSpPr/>
+        <p:nvPr/>
+      </p:nvGrpSpPr>
+      <p:grpSpPr>
+        <a:xfrm>
+          <a:off x="0" y="0"/>
+          <a:ext cx="0" cy="0"/>
+          <a:chOff x="0" y="0"/>
+          <a:chExt cx="0" cy="0"/>
+        </a:xfrm>
+      </p:grpSpPr>
+      <p:sp>
+        <p:nvSpPr>
+          <p:cNvPr id="4" name="矩形 48">
+            <a:extLst>
+              <a:ext uri="{FF2B5EF4-FFF2-40B4-BE49-F238E27FC236}">
+                <a16:creationId xmlns:a16="http://schemas.microsoft.com/office/drawing/2014/main" id="{5DA4B43E-AF34-4D44-8A02-902FFEEAA150}"/>
+              </a:ext>
+            </a:extLst>
+          </p:cNvPr>
+          <p:cNvSpPr/>
+          <p:nvPr/>
+        </p:nvSpPr>
+        <p:spPr>
+          <a:xfrm>
+            <a:off x="4292765" y="856856"/>
+            <a:ext cx="866986" cy="1785299"/>
+          </a:xfrm>
+          <a:prstGeom prst="rect">
+            <a:avLst/>
+          </a:prstGeom>
+        </p:spPr>
+        <p:style>
+          <a:lnRef idx="2">
+            <a:schemeClr val="accent1">
+              <a:shade val="50000"/>
+            </a:schemeClr>
+          </a:lnRef>
+          <a:fillRef idx="1">
+            <a:schemeClr val="accent1"/>
+          </a:fillRef>
+          <a:effectRef idx="0">
+            <a:schemeClr val="accent1"/>
+          </a:effectRef>
+          <a:fontRef idx="minor">
+            <a:schemeClr val="lt1"/>
+          </a:fontRef>
+        </p:style>
+        <p:txBody>
+          <a:bodyPr rtlCol="0" anchor="ctr"/>
+          <a:lstStyle/>
+          <a:p>
+            <a:pPr algn="ctr"/>
+            <a:r>
+              <a:rPr lang="en-US" altLang="zh-CN" dirty="0"/>
+              <a:t>IP</a:t>
+            </a:r>
+            <a:endParaRPr lang="zh-CN" altLang="en-US" dirty="0"/>
+          </a:p>
+        </p:txBody>
+      </p:sp>
+      <p:sp>
+        <p:nvSpPr>
+          <p:cNvPr id="5" name="文本框 49">
+            <a:extLst>
+              <a:ext uri="{FF2B5EF4-FFF2-40B4-BE49-F238E27FC236}">
+                <a16:creationId xmlns:a16="http://schemas.microsoft.com/office/drawing/2014/main" id="{C006E275-352D-4DB9-A0B4-5F31D512D026}"/>
+              </a:ext>
+            </a:extLst>
+          </p:cNvPr>
+          <p:cNvSpPr txBox="1"/>
+          <p:nvPr/>
+        </p:nvSpPr>
+        <p:spPr>
+          <a:xfrm>
+            <a:off x="2268471" y="890164"/>
+            <a:ext cx="2079415" cy="2031325"/>
+          </a:xfrm>
+          <a:prstGeom prst="rect">
+            <a:avLst/>
+          </a:prstGeom>
+          <a:noFill/>
+        </p:spPr>
+        <p:txBody>
+          <a:bodyPr wrap="none" rtlCol="0">
+            <a:spAutoFit/>
+          </a:bodyPr>
+          <a:lstStyle/>
+          <a:p>
+            <a:r>
+              <a:rPr lang="en-US" altLang="zh-CN" dirty="0"/>
+              <a:t>Input ():</a:t>
+            </a:r>
+          </a:p>
+          <a:p>
+            <a:pPr marL="285750" indent="-285750">
+              <a:buFont typeface="Arial" panose="020B0604020202020204" pitchFamily="34" charset="0"/>
+              <a:buChar char="•"/>
+            </a:pPr>
+            <a:r>
+              <a:rPr lang="en-US" altLang="zh-CN" dirty="0"/>
+              <a:t>scheduling</a:t>
+            </a:r>
+          </a:p>
+          <a:p>
+            <a:pPr marL="285750" indent="-285750">
+              <a:buFont typeface="Arial" panose="020B0604020202020204" pitchFamily="34" charset="0"/>
+              <a:buChar char="•"/>
+            </a:pPr>
+            <a:r>
+              <a:rPr lang="en-US" altLang="zh-CN" dirty="0"/>
+              <a:t>Shared resource</a:t>
+            </a:r>
+          </a:p>
+          <a:p>
+            <a:pPr marL="285750" indent="-285750">
+              <a:buFont typeface="Arial" panose="020B0604020202020204" pitchFamily="34" charset="0"/>
+              <a:buChar char="•"/>
+            </a:pPr>
+            <a:r>
+              <a:rPr lang="en-US" altLang="zh-CN" dirty="0"/>
+              <a:t>Speicher</a:t>
+            </a:r>
+          </a:p>
+          <a:p>
+            <a:pPr marL="285750" indent="-285750">
+              <a:buFont typeface="Arial" panose="020B0604020202020204" pitchFamily="34" charset="0"/>
+              <a:buChar char="•"/>
+            </a:pPr>
+            <a:r>
+              <a:rPr lang="en-US" altLang="zh-CN" dirty="0"/>
+              <a:t>?</a:t>
+            </a:r>
+          </a:p>
+          <a:p>
+            <a:endParaRPr lang="en-US" altLang="zh-CN" dirty="0"/>
+          </a:p>
+          <a:p>
+            <a:endParaRPr lang="zh-CN" altLang="en-US" dirty="0"/>
+          </a:p>
+        </p:txBody>
+      </p:sp>
+      <p:sp>
+        <p:nvSpPr>
+          <p:cNvPr id="6" name="文本框 50">
+            <a:extLst>
+              <a:ext uri="{FF2B5EF4-FFF2-40B4-BE49-F238E27FC236}">
+                <a16:creationId xmlns:a16="http://schemas.microsoft.com/office/drawing/2014/main" id="{FE7EB727-EC42-4994-A160-E7841CF7ABF9}"/>
+              </a:ext>
+            </a:extLst>
+          </p:cNvPr>
+          <p:cNvSpPr txBox="1"/>
+          <p:nvPr/>
+        </p:nvSpPr>
+        <p:spPr>
+          <a:xfrm>
+            <a:off x="5517328" y="1228480"/>
+            <a:ext cx="4406976" cy="1200329"/>
+          </a:xfrm>
+          <a:prstGeom prst="rect">
+            <a:avLst/>
+          </a:prstGeom>
+          <a:noFill/>
+        </p:spPr>
+        <p:txBody>
+          <a:bodyPr wrap="none" rtlCol="0">
+            <a:spAutoFit/>
+          </a:bodyPr>
+          <a:lstStyle/>
+          <a:p>
+            <a:r>
+              <a:rPr lang="en-US" altLang="zh-CN" dirty="0"/>
+              <a:t>Output:</a:t>
+            </a:r>
+          </a:p>
+          <a:p>
+            <a:pPr marL="285750" indent="-285750">
+              <a:buFont typeface="Arial" panose="020B0604020202020204" pitchFamily="34" charset="0"/>
+              <a:buChar char="•"/>
+            </a:pPr>
+            <a:r>
+              <a:rPr lang="en-US" altLang="zh-CN" dirty="0" err="1"/>
+              <a:t>Bearbeitzeit</a:t>
+            </a:r>
+            <a:r>
+              <a:rPr lang="en-US" altLang="zh-CN" dirty="0"/>
+              <a:t> </a:t>
+            </a:r>
+            <a:r>
+              <a:rPr lang="en-US" altLang="zh-CN" dirty="0" err="1"/>
+              <a:t>jeweiliger</a:t>
+            </a:r>
+            <a:r>
+              <a:rPr lang="en-US" altLang="zh-CN" dirty="0"/>
+              <a:t> </a:t>
+            </a:r>
+            <a:r>
+              <a:rPr lang="en-US" altLang="zh-CN" dirty="0" err="1"/>
+              <a:t>Funktion</a:t>
+            </a:r>
+            <a:endParaRPr lang="en-US" altLang="zh-CN" dirty="0"/>
+          </a:p>
+          <a:p>
+            <a:pPr marL="285750" indent="-285750">
+              <a:buFont typeface="Arial" panose="020B0604020202020204" pitchFamily="34" charset="0"/>
+              <a:buChar char="•"/>
+            </a:pPr>
+            <a:r>
+              <a:rPr lang="en-US" altLang="zh-CN" dirty="0"/>
+              <a:t>Power Consumption </a:t>
+            </a:r>
+            <a:r>
+              <a:rPr lang="en-US" altLang="zh-CN" dirty="0" err="1"/>
+              <a:t>jeweiliger</a:t>
+            </a:r>
+            <a:r>
+              <a:rPr lang="en-US" altLang="zh-CN" dirty="0"/>
+              <a:t> </a:t>
+            </a:r>
+            <a:r>
+              <a:rPr lang="en-US" altLang="zh-CN" dirty="0" err="1"/>
+              <a:t>Funktion</a:t>
+            </a:r>
+            <a:endParaRPr lang="en-US" altLang="zh-CN" dirty="0"/>
+          </a:p>
+          <a:p>
+            <a:pPr marL="285750" indent="-285750">
+              <a:buFont typeface="Arial" panose="020B0604020202020204" pitchFamily="34" charset="0"/>
+              <a:buChar char="•"/>
+            </a:pPr>
+            <a:r>
+              <a:rPr lang="en-US" altLang="zh-CN" dirty="0"/>
+              <a:t>?</a:t>
+            </a:r>
+          </a:p>
+        </p:txBody>
+      </p:sp>
+      <p:sp>
+        <p:nvSpPr>
+          <p:cNvPr id="7" name="Textfeld 6">
+            <a:extLst>
+              <a:ext uri="{FF2B5EF4-FFF2-40B4-BE49-F238E27FC236}">
+                <a16:creationId xmlns:a16="http://schemas.microsoft.com/office/drawing/2014/main" id="{9658A74D-D5A3-4E52-9833-354A54486EFA}"/>
+              </a:ext>
+            </a:extLst>
+          </p:cNvPr>
+          <p:cNvSpPr txBox="1"/>
+          <p:nvPr/>
+        </p:nvSpPr>
+        <p:spPr>
+          <a:xfrm>
+            <a:off x="1684962" y="3239616"/>
+            <a:ext cx="7520007" cy="1200329"/>
+          </a:xfrm>
+          <a:prstGeom prst="rect">
+            <a:avLst/>
+          </a:prstGeom>
+          <a:noFill/>
+        </p:spPr>
+        <p:txBody>
+          <a:bodyPr wrap="none" rtlCol="0">
+            <a:spAutoFit/>
+          </a:bodyPr>
+          <a:lstStyle/>
+          <a:p>
+            <a:r>
+              <a:rPr lang="de-DE" dirty="0"/>
+              <a:t>Fragen von Wild gestern:</a:t>
+            </a:r>
+          </a:p>
+          <a:p>
+            <a:pPr marL="285750" indent="-285750">
+              <a:buFont typeface="Arial" panose="020B0604020202020204" pitchFamily="34" charset="0"/>
+              <a:buChar char="•"/>
+            </a:pPr>
+            <a:r>
+              <a:rPr lang="de-DE" dirty="0"/>
+              <a:t>warum brauchen wir eine </a:t>
+            </a:r>
+            <a:r>
+              <a:rPr lang="de-DE" dirty="0" err="1"/>
+              <a:t>simulation</a:t>
+            </a:r>
+            <a:r>
+              <a:rPr lang="de-DE" dirty="0"/>
+              <a:t> statt eine mathematische Analyse?</a:t>
+            </a:r>
+          </a:p>
+          <a:p>
+            <a:pPr marL="285750" indent="-285750">
+              <a:buFont typeface="Arial" panose="020B0604020202020204" pitchFamily="34" charset="0"/>
+              <a:buChar char="•"/>
+            </a:pPr>
+            <a:r>
+              <a:rPr lang="de-DE" dirty="0"/>
+              <a:t>Wie genau funktioniert die </a:t>
+            </a:r>
+            <a:r>
+              <a:rPr lang="de-DE" dirty="0" err="1"/>
+              <a:t>simulation</a:t>
+            </a:r>
+            <a:r>
+              <a:rPr lang="de-DE" dirty="0"/>
+              <a:t>?</a:t>
+            </a:r>
+          </a:p>
+          <a:p>
+            <a:pPr marL="742950" lvl="1" indent="-285750">
+              <a:buFont typeface="Arial" panose="020B0604020202020204" pitchFamily="34" charset="0"/>
+              <a:buChar char="•"/>
+            </a:pPr>
+            <a:r>
+              <a:rPr lang="de-DE" dirty="0"/>
+              <a:t>Welche </a:t>
+            </a:r>
+            <a:r>
+              <a:rPr lang="de-DE" dirty="0" err="1"/>
+              <a:t>input</a:t>
+            </a:r>
+            <a:r>
+              <a:rPr lang="de-DE" dirty="0"/>
+              <a:t>/</a:t>
+            </a:r>
+            <a:r>
+              <a:rPr lang="de-DE" dirty="0" err="1"/>
+              <a:t>output</a:t>
+            </a:r>
+            <a:r>
+              <a:rPr lang="de-DE" dirty="0"/>
+              <a:t> </a:t>
+            </a:r>
+            <a:r>
+              <a:rPr lang="de-DE" dirty="0" err="1"/>
+              <a:t>usw</a:t>
+            </a:r>
+            <a:endParaRPr lang="de-DE" dirty="0"/>
+          </a:p>
+        </p:txBody>
+      </p:sp>
+    </p:spTree>
+    <p:extLst>
+      <p:ext uri="{BB962C8B-B14F-4D97-AF65-F5344CB8AC3E}">
+        <p14:creationId xmlns:p14="http://schemas.microsoft.com/office/powerpoint/2010/main" val="2276771590"/>
       </p:ext>
     </p:extLst>
   </p:cSld>
